--- a/techreport/YieldTypeCheckingAutomaton.pptx
+++ b/techreport/YieldTypeCheckingAutomaton.pptx
@@ -243,7 +243,7 @@
           <a:p>
             <a:fld id="{41A4A113-B247-41BD-913F-6A6C47F4428D}" type="datetimeFigureOut">
               <a:rPr lang="en-US" smtClean="0"/>
-              <a:t>9/4/2014</a:t>
+              <a:t>1/3/2015</a:t>
             </a:fld>
             <a:endParaRPr lang="en-US"/>
           </a:p>
@@ -413,7 +413,7 @@
           <a:p>
             <a:fld id="{41A4A113-B247-41BD-913F-6A6C47F4428D}" type="datetimeFigureOut">
               <a:rPr lang="en-US" smtClean="0"/>
-              <a:t>9/4/2014</a:t>
+              <a:t>1/3/2015</a:t>
             </a:fld>
             <a:endParaRPr lang="en-US"/>
           </a:p>
@@ -593,7 +593,7 @@
           <a:p>
             <a:fld id="{41A4A113-B247-41BD-913F-6A6C47F4428D}" type="datetimeFigureOut">
               <a:rPr lang="en-US" smtClean="0"/>
-              <a:t>9/4/2014</a:t>
+              <a:t>1/3/2015</a:t>
             </a:fld>
             <a:endParaRPr lang="en-US"/>
           </a:p>
@@ -763,7 +763,7 @@
           <a:p>
             <a:fld id="{41A4A113-B247-41BD-913F-6A6C47F4428D}" type="datetimeFigureOut">
               <a:rPr lang="en-US" smtClean="0"/>
-              <a:t>9/4/2014</a:t>
+              <a:t>1/3/2015</a:t>
             </a:fld>
             <a:endParaRPr lang="en-US"/>
           </a:p>
@@ -1009,7 +1009,7 @@
           <a:p>
             <a:fld id="{41A4A113-B247-41BD-913F-6A6C47F4428D}" type="datetimeFigureOut">
               <a:rPr lang="en-US" smtClean="0"/>
-              <a:t>9/4/2014</a:t>
+              <a:t>1/3/2015</a:t>
             </a:fld>
             <a:endParaRPr lang="en-US"/>
           </a:p>
@@ -1241,7 +1241,7 @@
           <a:p>
             <a:fld id="{41A4A113-B247-41BD-913F-6A6C47F4428D}" type="datetimeFigureOut">
               <a:rPr lang="en-US" smtClean="0"/>
-              <a:t>9/4/2014</a:t>
+              <a:t>1/3/2015</a:t>
             </a:fld>
             <a:endParaRPr lang="en-US"/>
           </a:p>
@@ -1608,7 +1608,7 @@
           <a:p>
             <a:fld id="{41A4A113-B247-41BD-913F-6A6C47F4428D}" type="datetimeFigureOut">
               <a:rPr lang="en-US" smtClean="0"/>
-              <a:t>9/4/2014</a:t>
+              <a:t>1/3/2015</a:t>
             </a:fld>
             <a:endParaRPr lang="en-US"/>
           </a:p>
@@ -1726,7 +1726,7 @@
           <a:p>
             <a:fld id="{41A4A113-B247-41BD-913F-6A6C47F4428D}" type="datetimeFigureOut">
               <a:rPr lang="en-US" smtClean="0"/>
-              <a:t>9/4/2014</a:t>
+              <a:t>1/3/2015</a:t>
             </a:fld>
             <a:endParaRPr lang="en-US"/>
           </a:p>
@@ -1821,7 +1821,7 @@
           <a:p>
             <a:fld id="{41A4A113-B247-41BD-913F-6A6C47F4428D}" type="datetimeFigureOut">
               <a:rPr lang="en-US" smtClean="0"/>
-              <a:t>9/4/2014</a:t>
+              <a:t>1/3/2015</a:t>
             </a:fld>
             <a:endParaRPr lang="en-US"/>
           </a:p>
@@ -2098,7 +2098,7 @@
           <a:p>
             <a:fld id="{41A4A113-B247-41BD-913F-6A6C47F4428D}" type="datetimeFigureOut">
               <a:rPr lang="en-US" smtClean="0"/>
-              <a:t>9/4/2014</a:t>
+              <a:t>1/3/2015</a:t>
             </a:fld>
             <a:endParaRPr lang="en-US"/>
           </a:p>
@@ -2355,7 +2355,7 @@
           <a:p>
             <a:fld id="{41A4A113-B247-41BD-913F-6A6C47F4428D}" type="datetimeFigureOut">
               <a:rPr lang="en-US" smtClean="0"/>
-              <a:t>9/4/2014</a:t>
+              <a:t>1/3/2015</a:t>
             </a:fld>
             <a:endParaRPr lang="en-US"/>
           </a:p>
@@ -2568,7 +2568,7 @@
           <a:p>
             <a:fld id="{41A4A113-B247-41BD-913F-6A6C47F4428D}" type="datetimeFigureOut">
               <a:rPr lang="en-US" smtClean="0"/>
-              <a:t>9/4/2014</a:t>
+              <a:t>1/3/2015</a:t>
             </a:fld>
             <a:endParaRPr lang="en-US"/>
           </a:p>
@@ -3161,7 +3161,7 @@
         <p:spPr>
           <a:xfrm>
             <a:off x="3695568" y="790290"/>
-            <a:ext cx="771365" cy="523220"/>
+            <a:ext cx="724301" cy="523220"/>
           </a:xfrm>
           <a:prstGeom prst="rect">
             <a:avLst/>
@@ -3176,7 +3176,11 @@
           <a:p>
             <a:r>
               <a:rPr lang="en-US" sz="2800" dirty="0"/>
-              <a:t>N, </a:t>
+              <a:t>A</a:t>
+            </a:r>
+            <a:r>
+              <a:rPr lang="en-US" sz="2800" dirty="0" smtClean="0"/>
+              <a:t>, </a:t>
             </a:r>
             <a:r>
               <a:rPr lang="en-US" sz="2800" dirty="0">
@@ -3531,36 +3535,6 @@
           </a:fontRef>
         </p:style>
       </p:cxnSp>
-      <p:sp>
-        <p:nvSpPr>
-          <p:cNvPr id="43" name="TextBox 42"/>
-          <p:cNvSpPr txBox="1"/>
-          <p:nvPr/>
-        </p:nvSpPr>
-        <p:spPr>
-          <a:xfrm>
-            <a:off x="35659" y="198973"/>
-            <a:ext cx="5066836" cy="523220"/>
-          </a:xfrm>
-          <a:prstGeom prst="rect">
-            <a:avLst/>
-          </a:prstGeom>
-          <a:noFill/>
-        </p:spPr>
-        <p:txBody>
-          <a:bodyPr wrap="none" rtlCol="0">
-            <a:spAutoFit/>
-          </a:bodyPr>
-          <a:lstStyle/>
-          <a:p>
-            <a:r>
-              <a:rPr lang="en-US" sz="2800" i="1" dirty="0"/>
-              <a:t>YSA (Yield Sufficiency Automaton)</a:t>
-            </a:r>
-            <a:endParaRPr lang="en-US" sz="2800" i="1" dirty="0"/>
-          </a:p>
-        </p:txBody>
-      </p:sp>
     </p:spTree>
     <p:extLst>
       <p:ext uri="{BB962C8B-B14F-4D97-AF65-F5344CB8AC3E}">

--- a/techreport/YieldTypeCheckingAutomaton.pptx
+++ b/techreport/YieldTypeCheckingAutomaton.pptx
@@ -243,7 +243,7 @@
           <a:p>
             <a:fld id="{41A4A113-B247-41BD-913F-6A6C47F4428D}" type="datetimeFigureOut">
               <a:rPr lang="en-US" smtClean="0"/>
-              <a:t>1/3/2015</a:t>
+              <a:t>1/4/2015</a:t>
             </a:fld>
             <a:endParaRPr lang="en-US"/>
           </a:p>
@@ -413,7 +413,7 @@
           <a:p>
             <a:fld id="{41A4A113-B247-41BD-913F-6A6C47F4428D}" type="datetimeFigureOut">
               <a:rPr lang="en-US" smtClean="0"/>
-              <a:t>1/3/2015</a:t>
+              <a:t>1/4/2015</a:t>
             </a:fld>
             <a:endParaRPr lang="en-US"/>
           </a:p>
@@ -593,7 +593,7 @@
           <a:p>
             <a:fld id="{41A4A113-B247-41BD-913F-6A6C47F4428D}" type="datetimeFigureOut">
               <a:rPr lang="en-US" smtClean="0"/>
-              <a:t>1/3/2015</a:t>
+              <a:t>1/4/2015</a:t>
             </a:fld>
             <a:endParaRPr lang="en-US"/>
           </a:p>
@@ -763,7 +763,7 @@
           <a:p>
             <a:fld id="{41A4A113-B247-41BD-913F-6A6C47F4428D}" type="datetimeFigureOut">
               <a:rPr lang="en-US" smtClean="0"/>
-              <a:t>1/3/2015</a:t>
+              <a:t>1/4/2015</a:t>
             </a:fld>
             <a:endParaRPr lang="en-US"/>
           </a:p>
@@ -1009,7 +1009,7 @@
           <a:p>
             <a:fld id="{41A4A113-B247-41BD-913F-6A6C47F4428D}" type="datetimeFigureOut">
               <a:rPr lang="en-US" smtClean="0"/>
-              <a:t>1/3/2015</a:t>
+              <a:t>1/4/2015</a:t>
             </a:fld>
             <a:endParaRPr lang="en-US"/>
           </a:p>
@@ -1241,7 +1241,7 @@
           <a:p>
             <a:fld id="{41A4A113-B247-41BD-913F-6A6C47F4428D}" type="datetimeFigureOut">
               <a:rPr lang="en-US" smtClean="0"/>
-              <a:t>1/3/2015</a:t>
+              <a:t>1/4/2015</a:t>
             </a:fld>
             <a:endParaRPr lang="en-US"/>
           </a:p>
@@ -1608,7 +1608,7 @@
           <a:p>
             <a:fld id="{41A4A113-B247-41BD-913F-6A6C47F4428D}" type="datetimeFigureOut">
               <a:rPr lang="en-US" smtClean="0"/>
-              <a:t>1/3/2015</a:t>
+              <a:t>1/4/2015</a:t>
             </a:fld>
             <a:endParaRPr lang="en-US"/>
           </a:p>
@@ -1726,7 +1726,7 @@
           <a:p>
             <a:fld id="{41A4A113-B247-41BD-913F-6A6C47F4428D}" type="datetimeFigureOut">
               <a:rPr lang="en-US" smtClean="0"/>
-              <a:t>1/3/2015</a:t>
+              <a:t>1/4/2015</a:t>
             </a:fld>
             <a:endParaRPr lang="en-US"/>
           </a:p>
@@ -1821,7 +1821,7 @@
           <a:p>
             <a:fld id="{41A4A113-B247-41BD-913F-6A6C47F4428D}" type="datetimeFigureOut">
               <a:rPr lang="en-US" smtClean="0"/>
-              <a:t>1/3/2015</a:t>
+              <a:t>1/4/2015</a:t>
             </a:fld>
             <a:endParaRPr lang="en-US"/>
           </a:p>
@@ -2098,7 +2098,7 @@
           <a:p>
             <a:fld id="{41A4A113-B247-41BD-913F-6A6C47F4428D}" type="datetimeFigureOut">
               <a:rPr lang="en-US" smtClean="0"/>
-              <a:t>1/3/2015</a:t>
+              <a:t>1/4/2015</a:t>
             </a:fld>
             <a:endParaRPr lang="en-US"/>
           </a:p>
@@ -2355,7 +2355,7 @@
           <a:p>
             <a:fld id="{41A4A113-B247-41BD-913F-6A6C47F4428D}" type="datetimeFigureOut">
               <a:rPr lang="en-US" smtClean="0"/>
-              <a:t>1/3/2015</a:t>
+              <a:t>1/4/2015</a:t>
             </a:fld>
             <a:endParaRPr lang="en-US"/>
           </a:p>
@@ -2568,7 +2568,7 @@
           <a:p>
             <a:fld id="{41A4A113-B247-41BD-913F-6A6C47F4428D}" type="datetimeFigureOut">
               <a:rPr lang="en-US" smtClean="0"/>
-              <a:t>1/3/2015</a:t>
+              <a:t>1/4/2015</a:t>
             </a:fld>
             <a:endParaRPr lang="en-US"/>
           </a:p>
@@ -3161,7 +3161,7 @@
         <p:spPr>
           <a:xfrm>
             <a:off x="3695568" y="790290"/>
-            <a:ext cx="724301" cy="523220"/>
+            <a:ext cx="745717" cy="523220"/>
           </a:xfrm>
           <a:prstGeom prst="rect">
             <a:avLst/>
@@ -3176,10 +3176,10 @@
           <a:p>
             <a:r>
               <a:rPr lang="en-US" sz="2800" dirty="0"/>
-              <a:t>A</a:t>
-            </a:r>
-            <a:r>
-              <a:rPr lang="en-US" sz="2800" dirty="0" smtClean="0"/>
+              <a:t>N</a:t>
+            </a:r>
+            <a:r>
+              <a:rPr lang="en-US" sz="2800" smtClean="0"/>
               <a:t>, </a:t>
             </a:r>
             <a:r>
